--- a/bao_cao_intro.pptx
+++ b/bao_cao_intro.pptx
@@ -12,6 +12,16 @@
     <p:sldId id="260" r:id="rId6"/>
     <p:sldId id="261" r:id="rId7"/>
     <p:sldId id="262" r:id="rId8"/>
+    <p:sldId id="263" r:id="rId9"/>
+    <p:sldId id="270" r:id="rId10"/>
+    <p:sldId id="272" r:id="rId11"/>
+    <p:sldId id="265" r:id="rId12"/>
+    <p:sldId id="264" r:id="rId13"/>
+    <p:sldId id="266" r:id="rId14"/>
+    <p:sldId id="267" r:id="rId15"/>
+    <p:sldId id="268" r:id="rId16"/>
+    <p:sldId id="269" r:id="rId17"/>
+    <p:sldId id="271" r:id="rId18"/>
   </p:sldIdLst>
   <p:sldSz cx="12192000" cy="6858000"/>
   <p:notesSz cx="6858000" cy="9144000"/>
@@ -122,9 +132,22 @@
             <p14:sldId id="260"/>
             <p14:sldId id="261"/>
             <p14:sldId id="262"/>
+            <p14:sldId id="263"/>
+            <p14:sldId id="270"/>
+            <p14:sldId id="272"/>
+            <p14:sldId id="265"/>
+            <p14:sldId id="264"/>
+            <p14:sldId id="266"/>
+            <p14:sldId id="267"/>
+            <p14:sldId id="268"/>
+            <p14:sldId id="269"/>
+            <p14:sldId id="271"/>
           </p14:sldIdLst>
         </p14:section>
       </p14:sectionLst>
+    </p:ext>
+    <p:ext uri="{EFAFB233-063F-42B5-8137-9DF3F51BA10A}">
+      <p15:sldGuideLst xmlns:p15="http://schemas.microsoft.com/office/powerpoint/2012/main"/>
     </p:ext>
   </p:extLst>
 </p:presentation>
@@ -636,7 +659,7 @@
           <a:p>
             <a:fld id="{A0B0D4ED-DCFE-4236-BB86-66C5A593A3E0}" type="datetimeFigureOut">
               <a:rPr lang="vi-VN" smtClean="0"/>
-              <a:t>03/03/2018</a:t>
+              <a:t>04/03/2018</a:t>
             </a:fld>
             <a:endParaRPr lang="vi-VN"/>
           </a:p>
@@ -932,7 +955,7 @@
           <a:p>
             <a:fld id="{A0B0D4ED-DCFE-4236-BB86-66C5A593A3E0}" type="datetimeFigureOut">
               <a:rPr lang="vi-VN" smtClean="0"/>
-              <a:t>03/03/2018</a:t>
+              <a:t>04/03/2018</a:t>
             </a:fld>
             <a:endParaRPr lang="vi-VN"/>
           </a:p>
@@ -1180,7 +1203,7 @@
           <a:p>
             <a:fld id="{A0B0D4ED-DCFE-4236-BB86-66C5A593A3E0}" type="datetimeFigureOut">
               <a:rPr lang="vi-VN" smtClean="0"/>
-              <a:t>03/03/2018</a:t>
+              <a:t>04/03/2018</a:t>
             </a:fld>
             <a:endParaRPr lang="vi-VN"/>
           </a:p>
@@ -1720,7 +1743,7 @@
           <a:p>
             <a:fld id="{A0B0D4ED-DCFE-4236-BB86-66C5A593A3E0}" type="datetimeFigureOut">
               <a:rPr lang="vi-VN" smtClean="0"/>
-              <a:t>03/03/2018</a:t>
+              <a:t>04/03/2018</a:t>
             </a:fld>
             <a:endParaRPr lang="vi-VN"/>
           </a:p>
@@ -1968,7 +1991,7 @@
           <a:p>
             <a:fld id="{A0B0D4ED-DCFE-4236-BB86-66C5A593A3E0}" type="datetimeFigureOut">
               <a:rPr lang="vi-VN" smtClean="0"/>
-              <a:t>03/03/2018</a:t>
+              <a:t>04/03/2018</a:t>
             </a:fld>
             <a:endParaRPr lang="vi-VN"/>
           </a:p>
@@ -2500,7 +2523,7 @@
           <a:p>
             <a:fld id="{A0B0D4ED-DCFE-4236-BB86-66C5A593A3E0}" type="datetimeFigureOut">
               <a:rPr lang="vi-VN" smtClean="0"/>
-              <a:t>03/03/2018</a:t>
+              <a:t>04/03/2018</a:t>
             </a:fld>
             <a:endParaRPr lang="vi-VN"/>
           </a:p>
@@ -2797,7 +2820,7 @@
           <a:p>
             <a:fld id="{A0B0D4ED-DCFE-4236-BB86-66C5A593A3E0}" type="datetimeFigureOut">
               <a:rPr lang="vi-VN" smtClean="0"/>
-              <a:t>03/03/2018</a:t>
+              <a:t>04/03/2018</a:t>
             </a:fld>
             <a:endParaRPr lang="vi-VN"/>
           </a:p>
@@ -2971,7 +2994,7 @@
           <a:p>
             <a:fld id="{A0B0D4ED-DCFE-4236-BB86-66C5A593A3E0}" type="datetimeFigureOut">
               <a:rPr lang="vi-VN" smtClean="0"/>
-              <a:t>03/03/2018</a:t>
+              <a:t>04/03/2018</a:t>
             </a:fld>
             <a:endParaRPr lang="vi-VN"/>
           </a:p>
@@ -3151,7 +3174,7 @@
           <a:p>
             <a:fld id="{A0B0D4ED-DCFE-4236-BB86-66C5A593A3E0}" type="datetimeFigureOut">
               <a:rPr lang="vi-VN" smtClean="0"/>
-              <a:t>03/03/2018</a:t>
+              <a:t>04/03/2018</a:t>
             </a:fld>
             <a:endParaRPr lang="vi-VN"/>
           </a:p>
@@ -3321,7 +3344,7 @@
           <a:p>
             <a:fld id="{A0B0D4ED-DCFE-4236-BB86-66C5A593A3E0}" type="datetimeFigureOut">
               <a:rPr lang="vi-VN" smtClean="0"/>
-              <a:t>03/03/2018</a:t>
+              <a:t>04/03/2018</a:t>
             </a:fld>
             <a:endParaRPr lang="vi-VN"/>
           </a:p>
@@ -3572,7 +3595,7 @@
           <a:p>
             <a:fld id="{A0B0D4ED-DCFE-4236-BB86-66C5A593A3E0}" type="datetimeFigureOut">
               <a:rPr lang="vi-VN" smtClean="0"/>
-              <a:t>03/03/2018</a:t>
+              <a:t>04/03/2018</a:t>
             </a:fld>
             <a:endParaRPr lang="vi-VN"/>
           </a:p>
@@ -3869,7 +3892,7 @@
           <a:p>
             <a:fld id="{A0B0D4ED-DCFE-4236-BB86-66C5A593A3E0}" type="datetimeFigureOut">
               <a:rPr lang="vi-VN" smtClean="0"/>
-              <a:t>03/03/2018</a:t>
+              <a:t>04/03/2018</a:t>
             </a:fld>
             <a:endParaRPr lang="vi-VN"/>
           </a:p>
@@ -4311,7 +4334,7 @@
           <a:p>
             <a:fld id="{A0B0D4ED-DCFE-4236-BB86-66C5A593A3E0}" type="datetimeFigureOut">
               <a:rPr lang="vi-VN" smtClean="0"/>
-              <a:t>03/03/2018</a:t>
+              <a:t>04/03/2018</a:t>
             </a:fld>
             <a:endParaRPr lang="vi-VN"/>
           </a:p>
@@ -4429,7 +4452,7 @@
           <a:p>
             <a:fld id="{A0B0D4ED-DCFE-4236-BB86-66C5A593A3E0}" type="datetimeFigureOut">
               <a:rPr lang="vi-VN" smtClean="0"/>
-              <a:t>03/03/2018</a:t>
+              <a:t>04/03/2018</a:t>
             </a:fld>
             <a:endParaRPr lang="vi-VN"/>
           </a:p>
@@ -4524,7 +4547,7 @@
           <a:p>
             <a:fld id="{A0B0D4ED-DCFE-4236-BB86-66C5A593A3E0}" type="datetimeFigureOut">
               <a:rPr lang="vi-VN" smtClean="0"/>
-              <a:t>03/03/2018</a:t>
+              <a:t>04/03/2018</a:t>
             </a:fld>
             <a:endParaRPr lang="vi-VN"/>
           </a:p>
@@ -4807,7 +4830,7 @@
           <a:p>
             <a:fld id="{A0B0D4ED-DCFE-4236-BB86-66C5A593A3E0}" type="datetimeFigureOut">
               <a:rPr lang="vi-VN" smtClean="0"/>
-              <a:t>03/03/2018</a:t>
+              <a:t>04/03/2018</a:t>
             </a:fld>
             <a:endParaRPr lang="vi-VN"/>
           </a:p>
@@ -5098,7 +5121,7 @@
           <a:p>
             <a:fld id="{A0B0D4ED-DCFE-4236-BB86-66C5A593A3E0}" type="datetimeFigureOut">
               <a:rPr lang="vi-VN" smtClean="0"/>
-              <a:t>03/03/2018</a:t>
+              <a:t>04/03/2018</a:t>
             </a:fld>
             <a:endParaRPr lang="vi-VN"/>
           </a:p>
@@ -5628,7 +5651,7 @@
           <a:p>
             <a:fld id="{A0B0D4ED-DCFE-4236-BB86-66C5A593A3E0}" type="datetimeFigureOut">
               <a:rPr lang="vi-VN" smtClean="0"/>
-              <a:t>03/03/2018</a:t>
+              <a:t>04/03/2018</a:t>
             </a:fld>
             <a:endParaRPr lang="vi-VN"/>
           </a:p>
@@ -6352,6 +6375,878 @@
 </p:sld>
 </file>
 
+<file path=ppt/slides/slide10.xml><?xml version="1.0" encoding="utf-8"?>
+<p:sld xmlns:a="http://schemas.openxmlformats.org/drawingml/2006/main" xmlns:r="http://schemas.openxmlformats.org/officeDocument/2006/relationships" xmlns:p="http://schemas.openxmlformats.org/presentationml/2006/main">
+  <p:cSld>
+    <p:spTree>
+      <p:nvGrpSpPr>
+        <p:cNvPr id="1" name=""/>
+        <p:cNvGrpSpPr/>
+        <p:nvPr/>
+      </p:nvGrpSpPr>
+      <p:grpSpPr>
+        <a:xfrm>
+          <a:off x="0" y="0"/>
+          <a:ext cx="0" cy="0"/>
+          <a:chOff x="0" y="0"/>
+          <a:chExt cx="0" cy="0"/>
+        </a:xfrm>
+      </p:grpSpPr>
+      <p:sp>
+        <p:nvSpPr>
+          <p:cNvPr id="2" name="Title 1">
+            <a:extLst>
+              <a:ext uri="{FF2B5EF4-FFF2-40B4-BE49-F238E27FC236}">
+                <a16:creationId xmlns:a16="http://schemas.microsoft.com/office/drawing/2014/main" id="{30BD759C-88BA-42BA-B968-BFCC663ABB0B}"/>
+              </a:ext>
+            </a:extLst>
+          </p:cNvPr>
+          <p:cNvSpPr>
+            <a:spLocks noGrp="1"/>
+          </p:cNvSpPr>
+          <p:nvPr>
+            <p:ph type="title"/>
+          </p:nvPr>
+        </p:nvSpPr>
+        <p:spPr/>
+        <p:txBody>
+          <a:bodyPr/>
+          <a:lstStyle/>
+          <a:p>
+            <a:r>
+              <a:rPr lang="en-US" dirty="0" err="1"/>
+              <a:t>Xem</a:t>
+            </a:r>
+            <a:r>
+              <a:rPr lang="en-US" dirty="0"/>
+              <a:t> </a:t>
+            </a:r>
+            <a:r>
+              <a:rPr lang="en-US" dirty="0" err="1"/>
+              <a:t>hàng</a:t>
+            </a:r>
+            <a:endParaRPr lang="vi-VN" dirty="0"/>
+          </a:p>
+        </p:txBody>
+      </p:sp>
+      <p:pic>
+        <p:nvPicPr>
+          <p:cNvPr id="5" name="Content Placeholder 4">
+            <a:extLst>
+              <a:ext uri="{FF2B5EF4-FFF2-40B4-BE49-F238E27FC236}">
+                <a16:creationId xmlns:a16="http://schemas.microsoft.com/office/drawing/2014/main" id="{7CD8B4F6-B1E8-44A1-882F-5F1C163AAF16}"/>
+              </a:ext>
+            </a:extLst>
+          </p:cNvPr>
+          <p:cNvPicPr>
+            <a:picLocks noGrp="1" noChangeAspect="1"/>
+          </p:cNvPicPr>
+          <p:nvPr>
+            <p:ph idx="1"/>
+          </p:nvPr>
+        </p:nvPicPr>
+        <p:blipFill>
+          <a:blip r:embed="rId2">
+            <a:extLst>
+              <a:ext uri="{28A0092B-C50C-407E-A947-70E740481C1C}">
+                <a14:useLocalDpi xmlns:a14="http://schemas.microsoft.com/office/drawing/2010/main" val="0"/>
+              </a:ext>
+            </a:extLst>
+          </a:blip>
+          <a:stretch>
+            <a:fillRect/>
+          </a:stretch>
+        </p:blipFill>
+        <p:spPr>
+          <a:xfrm>
+            <a:off x="2144899" y="2833492"/>
+            <a:ext cx="8697539" cy="2791215"/>
+          </a:xfrm>
+        </p:spPr>
+      </p:pic>
+    </p:spTree>
+    <p:extLst>
+      <p:ext uri="{BB962C8B-B14F-4D97-AF65-F5344CB8AC3E}">
+        <p14:creationId xmlns:p14="http://schemas.microsoft.com/office/powerpoint/2010/main" val="3291683754"/>
+      </p:ext>
+    </p:extLst>
+  </p:cSld>
+  <p:clrMapOvr>
+    <a:masterClrMapping/>
+  </p:clrMapOvr>
+</p:sld>
+</file>
+
+<file path=ppt/slides/slide11.xml><?xml version="1.0" encoding="utf-8"?>
+<p:sld xmlns:a="http://schemas.openxmlformats.org/drawingml/2006/main" xmlns:r="http://schemas.openxmlformats.org/officeDocument/2006/relationships" xmlns:p="http://schemas.openxmlformats.org/presentationml/2006/main">
+  <p:cSld>
+    <p:spTree>
+      <p:nvGrpSpPr>
+        <p:cNvPr id="1" name=""/>
+        <p:cNvGrpSpPr/>
+        <p:nvPr/>
+      </p:nvGrpSpPr>
+      <p:grpSpPr>
+        <a:xfrm>
+          <a:off x="0" y="0"/>
+          <a:ext cx="0" cy="0"/>
+          <a:chOff x="0" y="0"/>
+          <a:chExt cx="0" cy="0"/>
+        </a:xfrm>
+      </p:grpSpPr>
+      <p:sp>
+        <p:nvSpPr>
+          <p:cNvPr id="2" name="Title 1">
+            <a:extLst>
+              <a:ext uri="{FF2B5EF4-FFF2-40B4-BE49-F238E27FC236}">
+                <a16:creationId xmlns:a16="http://schemas.microsoft.com/office/drawing/2014/main" id="{7FA6C7B7-2A26-4A0D-94ED-81F24102C107}"/>
+              </a:ext>
+            </a:extLst>
+          </p:cNvPr>
+          <p:cNvSpPr>
+            <a:spLocks noGrp="1"/>
+          </p:cNvSpPr>
+          <p:nvPr>
+            <p:ph type="title"/>
+          </p:nvPr>
+        </p:nvSpPr>
+        <p:spPr/>
+        <p:txBody>
+          <a:bodyPr/>
+          <a:lstStyle/>
+          <a:p>
+            <a:r>
+              <a:rPr lang="en-US" dirty="0" err="1"/>
+              <a:t>Mua</a:t>
+            </a:r>
+            <a:r>
+              <a:rPr lang="en-US" dirty="0"/>
+              <a:t> </a:t>
+            </a:r>
+            <a:r>
+              <a:rPr lang="en-US" dirty="0" err="1"/>
+              <a:t>hàng</a:t>
+            </a:r>
+            <a:endParaRPr lang="vi-VN" dirty="0"/>
+          </a:p>
+        </p:txBody>
+      </p:sp>
+      <p:pic>
+        <p:nvPicPr>
+          <p:cNvPr id="5" name="Content Placeholder 4">
+            <a:extLst>
+              <a:ext uri="{FF2B5EF4-FFF2-40B4-BE49-F238E27FC236}">
+                <a16:creationId xmlns:a16="http://schemas.microsoft.com/office/drawing/2014/main" id="{27458816-B006-493C-9FF4-793F39EF8973}"/>
+              </a:ext>
+            </a:extLst>
+          </p:cNvPr>
+          <p:cNvPicPr>
+            <a:picLocks noGrp="1" noChangeAspect="1"/>
+          </p:cNvPicPr>
+          <p:nvPr>
+            <p:ph idx="1"/>
+          </p:nvPr>
+        </p:nvPicPr>
+        <p:blipFill>
+          <a:blip r:embed="rId2">
+            <a:extLst>
+              <a:ext uri="{28A0092B-C50C-407E-A947-70E740481C1C}">
+                <a14:useLocalDpi xmlns:a14="http://schemas.microsoft.com/office/drawing/2010/main" val="0"/>
+              </a:ext>
+            </a:extLst>
+          </a:blip>
+          <a:stretch>
+            <a:fillRect/>
+          </a:stretch>
+        </p:blipFill>
+        <p:spPr>
+          <a:xfrm>
+            <a:off x="1692399" y="3190730"/>
+            <a:ext cx="9602540" cy="2076740"/>
+          </a:xfrm>
+        </p:spPr>
+      </p:pic>
+    </p:spTree>
+    <p:extLst>
+      <p:ext uri="{BB962C8B-B14F-4D97-AF65-F5344CB8AC3E}">
+        <p14:creationId xmlns:p14="http://schemas.microsoft.com/office/powerpoint/2010/main" val="2431535719"/>
+      </p:ext>
+    </p:extLst>
+  </p:cSld>
+  <p:clrMapOvr>
+    <a:masterClrMapping/>
+  </p:clrMapOvr>
+</p:sld>
+</file>
+
+<file path=ppt/slides/slide12.xml><?xml version="1.0" encoding="utf-8"?>
+<p:sld xmlns:a="http://schemas.openxmlformats.org/drawingml/2006/main" xmlns:r="http://schemas.openxmlformats.org/officeDocument/2006/relationships" xmlns:p="http://schemas.openxmlformats.org/presentationml/2006/main">
+  <p:cSld>
+    <p:spTree>
+      <p:nvGrpSpPr>
+        <p:cNvPr id="1" name=""/>
+        <p:cNvGrpSpPr/>
+        <p:nvPr/>
+      </p:nvGrpSpPr>
+      <p:grpSpPr>
+        <a:xfrm>
+          <a:off x="0" y="0"/>
+          <a:ext cx="0" cy="0"/>
+          <a:chOff x="0" y="0"/>
+          <a:chExt cx="0" cy="0"/>
+        </a:xfrm>
+      </p:grpSpPr>
+      <p:sp>
+        <p:nvSpPr>
+          <p:cNvPr id="2" name="Title 1">
+            <a:extLst>
+              <a:ext uri="{FF2B5EF4-FFF2-40B4-BE49-F238E27FC236}">
+                <a16:creationId xmlns:a16="http://schemas.microsoft.com/office/drawing/2014/main" id="{108373A3-63E3-4EA8-BE2D-DC68970161A9}"/>
+              </a:ext>
+            </a:extLst>
+          </p:cNvPr>
+          <p:cNvSpPr>
+            <a:spLocks noGrp="1"/>
+          </p:cNvSpPr>
+          <p:nvPr>
+            <p:ph type="title"/>
+          </p:nvPr>
+        </p:nvSpPr>
+        <p:spPr/>
+        <p:txBody>
+          <a:bodyPr/>
+          <a:lstStyle/>
+          <a:p>
+            <a:r>
+              <a:rPr lang="en-US" dirty="0" err="1"/>
+              <a:t>Giao</a:t>
+            </a:r>
+            <a:r>
+              <a:rPr lang="en-US" dirty="0"/>
+              <a:t> </a:t>
+            </a:r>
+            <a:r>
+              <a:rPr lang="en-US" dirty="0" err="1"/>
+              <a:t>hàng</a:t>
+            </a:r>
+            <a:endParaRPr lang="vi-VN" dirty="0"/>
+          </a:p>
+        </p:txBody>
+      </p:sp>
+      <p:pic>
+        <p:nvPicPr>
+          <p:cNvPr id="5" name="Content Placeholder 4">
+            <a:extLst>
+              <a:ext uri="{FF2B5EF4-FFF2-40B4-BE49-F238E27FC236}">
+                <a16:creationId xmlns:a16="http://schemas.microsoft.com/office/drawing/2014/main" id="{690887E9-D84E-4E34-A98B-57B14C456594}"/>
+              </a:ext>
+            </a:extLst>
+          </p:cNvPr>
+          <p:cNvPicPr>
+            <a:picLocks noGrp="1" noChangeAspect="1"/>
+          </p:cNvPicPr>
+          <p:nvPr>
+            <p:ph idx="1"/>
+          </p:nvPr>
+        </p:nvPicPr>
+        <p:blipFill>
+          <a:blip r:embed="rId2">
+            <a:extLst>
+              <a:ext uri="{28A0092B-C50C-407E-A947-70E740481C1C}">
+                <a14:useLocalDpi xmlns:a14="http://schemas.microsoft.com/office/drawing/2010/main" val="0"/>
+              </a:ext>
+            </a:extLst>
+          </a:blip>
+          <a:stretch>
+            <a:fillRect/>
+          </a:stretch>
+        </p:blipFill>
+        <p:spPr>
+          <a:xfrm>
+            <a:off x="2749821" y="3181204"/>
+            <a:ext cx="7487695" cy="2095792"/>
+          </a:xfrm>
+        </p:spPr>
+      </p:pic>
+    </p:spTree>
+    <p:extLst>
+      <p:ext uri="{BB962C8B-B14F-4D97-AF65-F5344CB8AC3E}">
+        <p14:creationId xmlns:p14="http://schemas.microsoft.com/office/powerpoint/2010/main" val="2634077705"/>
+      </p:ext>
+    </p:extLst>
+  </p:cSld>
+  <p:clrMapOvr>
+    <a:masterClrMapping/>
+  </p:clrMapOvr>
+</p:sld>
+</file>
+
+<file path=ppt/slides/slide13.xml><?xml version="1.0" encoding="utf-8"?>
+<p:sld xmlns:a="http://schemas.openxmlformats.org/drawingml/2006/main" xmlns:r="http://schemas.openxmlformats.org/officeDocument/2006/relationships" xmlns:p="http://schemas.openxmlformats.org/presentationml/2006/main">
+  <p:cSld>
+    <p:spTree>
+      <p:nvGrpSpPr>
+        <p:cNvPr id="1" name=""/>
+        <p:cNvGrpSpPr/>
+        <p:nvPr/>
+      </p:nvGrpSpPr>
+      <p:grpSpPr>
+        <a:xfrm>
+          <a:off x="0" y="0"/>
+          <a:ext cx="0" cy="0"/>
+          <a:chOff x="0" y="0"/>
+          <a:chExt cx="0" cy="0"/>
+        </a:xfrm>
+      </p:grpSpPr>
+      <p:sp>
+        <p:nvSpPr>
+          <p:cNvPr id="2" name="Title 1">
+            <a:extLst>
+              <a:ext uri="{FF2B5EF4-FFF2-40B4-BE49-F238E27FC236}">
+                <a16:creationId xmlns:a16="http://schemas.microsoft.com/office/drawing/2014/main" id="{6F25F201-15D0-436A-AAE7-5BE828FEE80B}"/>
+              </a:ext>
+            </a:extLst>
+          </p:cNvPr>
+          <p:cNvSpPr>
+            <a:spLocks noGrp="1"/>
+          </p:cNvSpPr>
+          <p:nvPr>
+            <p:ph type="title"/>
+          </p:nvPr>
+        </p:nvSpPr>
+        <p:spPr/>
+        <p:txBody>
+          <a:bodyPr/>
+          <a:lstStyle/>
+          <a:p>
+            <a:r>
+              <a:rPr lang="en-US" dirty="0" err="1"/>
+              <a:t>Quản</a:t>
+            </a:r>
+            <a:r>
+              <a:rPr lang="en-US" dirty="0"/>
+              <a:t> </a:t>
+            </a:r>
+            <a:r>
+              <a:rPr lang="en-US" dirty="0" err="1"/>
+              <a:t>lý</a:t>
+            </a:r>
+            <a:r>
+              <a:rPr lang="en-US" dirty="0"/>
+              <a:t> đ</a:t>
+            </a:r>
+            <a:r>
+              <a:rPr lang="vi-VN" dirty="0"/>
+              <a:t>ơ</a:t>
+            </a:r>
+            <a:r>
+              <a:rPr lang="en-US" dirty="0"/>
+              <a:t>n </a:t>
+            </a:r>
+            <a:r>
+              <a:rPr lang="en-US" dirty="0" err="1"/>
+              <a:t>hàng</a:t>
+            </a:r>
+            <a:endParaRPr lang="vi-VN" dirty="0"/>
+          </a:p>
+        </p:txBody>
+      </p:sp>
+      <p:pic>
+        <p:nvPicPr>
+          <p:cNvPr id="5" name="Content Placeholder 4">
+            <a:extLst>
+              <a:ext uri="{FF2B5EF4-FFF2-40B4-BE49-F238E27FC236}">
+                <a16:creationId xmlns:a16="http://schemas.microsoft.com/office/drawing/2014/main" id="{624FE254-69FD-4F39-9A07-5B3B356B2A96}"/>
+              </a:ext>
+            </a:extLst>
+          </p:cNvPr>
+          <p:cNvPicPr>
+            <a:picLocks noGrp="1" noChangeAspect="1"/>
+          </p:cNvPicPr>
+          <p:nvPr>
+            <p:ph idx="1"/>
+          </p:nvPr>
+        </p:nvPicPr>
+        <p:blipFill>
+          <a:blip r:embed="rId2">
+            <a:extLst>
+              <a:ext uri="{28A0092B-C50C-407E-A947-70E740481C1C}">
+                <a14:useLocalDpi xmlns:a14="http://schemas.microsoft.com/office/drawing/2010/main" val="0"/>
+              </a:ext>
+            </a:extLst>
+          </a:blip>
+          <a:stretch>
+            <a:fillRect/>
+          </a:stretch>
+        </p:blipFill>
+        <p:spPr>
+          <a:xfrm>
+            <a:off x="2983216" y="3443178"/>
+            <a:ext cx="7020905" cy="1571844"/>
+          </a:xfrm>
+        </p:spPr>
+      </p:pic>
+    </p:spTree>
+    <p:extLst>
+      <p:ext uri="{BB962C8B-B14F-4D97-AF65-F5344CB8AC3E}">
+        <p14:creationId xmlns:p14="http://schemas.microsoft.com/office/powerpoint/2010/main" val="217855132"/>
+      </p:ext>
+    </p:extLst>
+  </p:cSld>
+  <p:clrMapOvr>
+    <a:masterClrMapping/>
+  </p:clrMapOvr>
+</p:sld>
+</file>
+
+<file path=ppt/slides/slide14.xml><?xml version="1.0" encoding="utf-8"?>
+<p:sld xmlns:a="http://schemas.openxmlformats.org/drawingml/2006/main" xmlns:r="http://schemas.openxmlformats.org/officeDocument/2006/relationships" xmlns:p="http://schemas.openxmlformats.org/presentationml/2006/main">
+  <p:cSld>
+    <p:spTree>
+      <p:nvGrpSpPr>
+        <p:cNvPr id="1" name=""/>
+        <p:cNvGrpSpPr/>
+        <p:nvPr/>
+      </p:nvGrpSpPr>
+      <p:grpSpPr>
+        <a:xfrm>
+          <a:off x="0" y="0"/>
+          <a:ext cx="0" cy="0"/>
+          <a:chOff x="0" y="0"/>
+          <a:chExt cx="0" cy="0"/>
+        </a:xfrm>
+      </p:grpSpPr>
+      <p:sp>
+        <p:nvSpPr>
+          <p:cNvPr id="2" name="Title 1">
+            <a:extLst>
+              <a:ext uri="{FF2B5EF4-FFF2-40B4-BE49-F238E27FC236}">
+                <a16:creationId xmlns:a16="http://schemas.microsoft.com/office/drawing/2014/main" id="{3EAC3D8E-E4F6-4849-B396-BD3DA43EB9D8}"/>
+              </a:ext>
+            </a:extLst>
+          </p:cNvPr>
+          <p:cNvSpPr>
+            <a:spLocks noGrp="1"/>
+          </p:cNvSpPr>
+          <p:nvPr>
+            <p:ph type="title"/>
+          </p:nvPr>
+        </p:nvSpPr>
+        <p:spPr/>
+        <p:txBody>
+          <a:bodyPr/>
+          <a:lstStyle/>
+          <a:p>
+            <a:r>
+              <a:rPr lang="en-US" dirty="0" err="1"/>
+              <a:t>Quản</a:t>
+            </a:r>
+            <a:r>
+              <a:rPr lang="en-US" dirty="0"/>
+              <a:t> </a:t>
+            </a:r>
+            <a:r>
+              <a:rPr lang="en-US" dirty="0" err="1"/>
+              <a:t>lý</a:t>
+            </a:r>
+            <a:r>
+              <a:rPr lang="en-US" dirty="0"/>
+              <a:t> </a:t>
+            </a:r>
+            <a:r>
+              <a:rPr lang="en-US" dirty="0" err="1"/>
+              <a:t>kho</a:t>
+            </a:r>
+            <a:endParaRPr lang="vi-VN" dirty="0"/>
+          </a:p>
+        </p:txBody>
+      </p:sp>
+      <p:pic>
+        <p:nvPicPr>
+          <p:cNvPr id="5" name="Content Placeholder 4">
+            <a:extLst>
+              <a:ext uri="{FF2B5EF4-FFF2-40B4-BE49-F238E27FC236}">
+                <a16:creationId xmlns:a16="http://schemas.microsoft.com/office/drawing/2014/main" id="{B33D4228-E513-4AE0-A576-8DA287573551}"/>
+              </a:ext>
+            </a:extLst>
+          </p:cNvPr>
+          <p:cNvPicPr>
+            <a:picLocks noGrp="1" noChangeAspect="1"/>
+          </p:cNvPicPr>
+          <p:nvPr>
+            <p:ph idx="1"/>
+          </p:nvPr>
+        </p:nvPicPr>
+        <p:blipFill>
+          <a:blip r:embed="rId2">
+            <a:extLst>
+              <a:ext uri="{28A0092B-C50C-407E-A947-70E740481C1C}">
+                <a14:useLocalDpi xmlns:a14="http://schemas.microsoft.com/office/drawing/2010/main" val="0"/>
+              </a:ext>
+            </a:extLst>
+          </a:blip>
+          <a:stretch>
+            <a:fillRect/>
+          </a:stretch>
+        </p:blipFill>
+        <p:spPr>
+          <a:xfrm>
+            <a:off x="2778400" y="3419362"/>
+            <a:ext cx="7430537" cy="1619476"/>
+          </a:xfrm>
+        </p:spPr>
+      </p:pic>
+    </p:spTree>
+    <p:extLst>
+      <p:ext uri="{BB962C8B-B14F-4D97-AF65-F5344CB8AC3E}">
+        <p14:creationId xmlns:p14="http://schemas.microsoft.com/office/powerpoint/2010/main" val="2288097215"/>
+      </p:ext>
+    </p:extLst>
+  </p:cSld>
+  <p:clrMapOvr>
+    <a:masterClrMapping/>
+  </p:clrMapOvr>
+</p:sld>
+</file>
+
+<file path=ppt/slides/slide15.xml><?xml version="1.0" encoding="utf-8"?>
+<p:sld xmlns:a="http://schemas.openxmlformats.org/drawingml/2006/main" xmlns:r="http://schemas.openxmlformats.org/officeDocument/2006/relationships" xmlns:p="http://schemas.openxmlformats.org/presentationml/2006/main">
+  <p:cSld>
+    <p:spTree>
+      <p:nvGrpSpPr>
+        <p:cNvPr id="1" name=""/>
+        <p:cNvGrpSpPr/>
+        <p:nvPr/>
+      </p:nvGrpSpPr>
+      <p:grpSpPr>
+        <a:xfrm>
+          <a:off x="0" y="0"/>
+          <a:ext cx="0" cy="0"/>
+          <a:chOff x="0" y="0"/>
+          <a:chExt cx="0" cy="0"/>
+        </a:xfrm>
+      </p:grpSpPr>
+      <p:sp>
+        <p:nvSpPr>
+          <p:cNvPr id="2" name="Title 1">
+            <a:extLst>
+              <a:ext uri="{FF2B5EF4-FFF2-40B4-BE49-F238E27FC236}">
+                <a16:creationId xmlns:a16="http://schemas.microsoft.com/office/drawing/2014/main" id="{F575CEA7-6D3F-407A-B58D-63ED5D6C77DC}"/>
+              </a:ext>
+            </a:extLst>
+          </p:cNvPr>
+          <p:cNvSpPr>
+            <a:spLocks noGrp="1"/>
+          </p:cNvSpPr>
+          <p:nvPr>
+            <p:ph type="title"/>
+          </p:nvPr>
+        </p:nvSpPr>
+        <p:spPr/>
+        <p:txBody>
+          <a:bodyPr/>
+          <a:lstStyle/>
+          <a:p>
+            <a:r>
+              <a:rPr lang="en-US" dirty="0" err="1"/>
+              <a:t>Quản</a:t>
+            </a:r>
+            <a:r>
+              <a:rPr lang="en-US" dirty="0"/>
+              <a:t> </a:t>
+            </a:r>
+            <a:r>
+              <a:rPr lang="en-US" dirty="0" err="1"/>
+              <a:t>lý</a:t>
+            </a:r>
+            <a:r>
+              <a:rPr lang="en-US" dirty="0"/>
+              <a:t> </a:t>
+            </a:r>
+            <a:r>
+              <a:rPr lang="en-US" dirty="0" err="1"/>
+              <a:t>sản</a:t>
+            </a:r>
+            <a:r>
+              <a:rPr lang="en-US" dirty="0"/>
+              <a:t> </a:t>
+            </a:r>
+            <a:r>
+              <a:rPr lang="en-US" dirty="0" err="1"/>
+              <a:t>phẩm</a:t>
+            </a:r>
+            <a:endParaRPr lang="vi-VN" dirty="0"/>
+          </a:p>
+        </p:txBody>
+      </p:sp>
+      <p:pic>
+        <p:nvPicPr>
+          <p:cNvPr id="5" name="Content Placeholder 4">
+            <a:extLst>
+              <a:ext uri="{FF2B5EF4-FFF2-40B4-BE49-F238E27FC236}">
+                <a16:creationId xmlns:a16="http://schemas.microsoft.com/office/drawing/2014/main" id="{D5EA58F9-8E55-420C-A8A8-6490C9DB4AF6}"/>
+              </a:ext>
+            </a:extLst>
+          </p:cNvPr>
+          <p:cNvPicPr>
+            <a:picLocks noGrp="1" noChangeAspect="1"/>
+          </p:cNvPicPr>
+          <p:nvPr>
+            <p:ph idx="1"/>
+          </p:nvPr>
+        </p:nvPicPr>
+        <p:blipFill>
+          <a:blip r:embed="rId2">
+            <a:extLst>
+              <a:ext uri="{28A0092B-C50C-407E-A947-70E740481C1C}">
+                <a14:useLocalDpi xmlns:a14="http://schemas.microsoft.com/office/drawing/2010/main" val="0"/>
+              </a:ext>
+            </a:extLst>
+          </a:blip>
+          <a:stretch>
+            <a:fillRect/>
+          </a:stretch>
+        </p:blipFill>
+        <p:spPr>
+          <a:xfrm>
+            <a:off x="3040374" y="3443178"/>
+            <a:ext cx="6906589" cy="1571844"/>
+          </a:xfrm>
+        </p:spPr>
+      </p:pic>
+    </p:spTree>
+    <p:extLst>
+      <p:ext uri="{BB962C8B-B14F-4D97-AF65-F5344CB8AC3E}">
+        <p14:creationId xmlns:p14="http://schemas.microsoft.com/office/powerpoint/2010/main" val="3074117074"/>
+      </p:ext>
+    </p:extLst>
+  </p:cSld>
+  <p:clrMapOvr>
+    <a:masterClrMapping/>
+  </p:clrMapOvr>
+</p:sld>
+</file>
+
+<file path=ppt/slides/slide16.xml><?xml version="1.0" encoding="utf-8"?>
+<p:sld xmlns:a="http://schemas.openxmlformats.org/drawingml/2006/main" xmlns:r="http://schemas.openxmlformats.org/officeDocument/2006/relationships" xmlns:p="http://schemas.openxmlformats.org/presentationml/2006/main">
+  <p:cSld>
+    <p:spTree>
+      <p:nvGrpSpPr>
+        <p:cNvPr id="1" name=""/>
+        <p:cNvGrpSpPr/>
+        <p:nvPr/>
+      </p:nvGrpSpPr>
+      <p:grpSpPr>
+        <a:xfrm>
+          <a:off x="0" y="0"/>
+          <a:ext cx="0" cy="0"/>
+          <a:chOff x="0" y="0"/>
+          <a:chExt cx="0" cy="0"/>
+        </a:xfrm>
+      </p:grpSpPr>
+      <p:sp>
+        <p:nvSpPr>
+          <p:cNvPr id="2" name="Title 1">
+            <a:extLst>
+              <a:ext uri="{FF2B5EF4-FFF2-40B4-BE49-F238E27FC236}">
+                <a16:creationId xmlns:a16="http://schemas.microsoft.com/office/drawing/2014/main" id="{82BB860B-FDEF-4812-93FF-6954DBB87B4E}"/>
+              </a:ext>
+            </a:extLst>
+          </p:cNvPr>
+          <p:cNvSpPr>
+            <a:spLocks noGrp="1"/>
+          </p:cNvSpPr>
+          <p:nvPr>
+            <p:ph type="title"/>
+          </p:nvPr>
+        </p:nvSpPr>
+        <p:spPr/>
+        <p:txBody>
+          <a:bodyPr/>
+          <a:lstStyle/>
+          <a:p>
+            <a:r>
+              <a:rPr lang="en-US" dirty="0" err="1"/>
+              <a:t>Quản</a:t>
+            </a:r>
+            <a:r>
+              <a:rPr lang="en-US" dirty="0"/>
+              <a:t> </a:t>
+            </a:r>
+            <a:r>
+              <a:rPr lang="en-US" dirty="0" err="1"/>
+              <a:t>lý</a:t>
+            </a:r>
+            <a:r>
+              <a:rPr lang="en-US" dirty="0"/>
+              <a:t> </a:t>
+            </a:r>
+            <a:r>
+              <a:rPr lang="en-US" dirty="0" err="1"/>
+              <a:t>tài</a:t>
+            </a:r>
+            <a:r>
+              <a:rPr lang="en-US" dirty="0"/>
+              <a:t> </a:t>
+            </a:r>
+            <a:r>
+              <a:rPr lang="en-US" dirty="0" err="1"/>
+              <a:t>khoản</a:t>
+            </a:r>
+            <a:endParaRPr lang="vi-VN" dirty="0"/>
+          </a:p>
+        </p:txBody>
+      </p:sp>
+      <p:pic>
+        <p:nvPicPr>
+          <p:cNvPr id="5" name="Content Placeholder 4">
+            <a:extLst>
+              <a:ext uri="{FF2B5EF4-FFF2-40B4-BE49-F238E27FC236}">
+                <a16:creationId xmlns:a16="http://schemas.microsoft.com/office/drawing/2014/main" id="{8DEF0AC0-FBCB-42F6-A7B8-034AB00A9285}"/>
+              </a:ext>
+            </a:extLst>
+          </p:cNvPr>
+          <p:cNvPicPr>
+            <a:picLocks noGrp="1" noChangeAspect="1"/>
+          </p:cNvPicPr>
+          <p:nvPr>
+            <p:ph idx="1"/>
+          </p:nvPr>
+        </p:nvPicPr>
+        <p:blipFill>
+          <a:blip r:embed="rId2">
+            <a:extLst>
+              <a:ext uri="{28A0092B-C50C-407E-A947-70E740481C1C}">
+                <a14:useLocalDpi xmlns:a14="http://schemas.microsoft.com/office/drawing/2010/main" val="0"/>
+              </a:ext>
+            </a:extLst>
+          </a:blip>
+          <a:stretch>
+            <a:fillRect/>
+          </a:stretch>
+        </p:blipFill>
+        <p:spPr>
+          <a:xfrm>
+            <a:off x="2849848" y="3443178"/>
+            <a:ext cx="7287642" cy="1571844"/>
+          </a:xfrm>
+        </p:spPr>
+      </p:pic>
+    </p:spTree>
+    <p:extLst>
+      <p:ext uri="{BB962C8B-B14F-4D97-AF65-F5344CB8AC3E}">
+        <p14:creationId xmlns:p14="http://schemas.microsoft.com/office/powerpoint/2010/main" val="501760344"/>
+      </p:ext>
+    </p:extLst>
+  </p:cSld>
+  <p:clrMapOvr>
+    <a:masterClrMapping/>
+  </p:clrMapOvr>
+</p:sld>
+</file>
+
+<file path=ppt/slides/slide17.xml><?xml version="1.0" encoding="utf-8"?>
+<p:sld xmlns:a="http://schemas.openxmlformats.org/drawingml/2006/main" xmlns:r="http://schemas.openxmlformats.org/officeDocument/2006/relationships" xmlns:p="http://schemas.openxmlformats.org/presentationml/2006/main">
+  <p:cSld>
+    <p:spTree>
+      <p:nvGrpSpPr>
+        <p:cNvPr id="1" name=""/>
+        <p:cNvGrpSpPr/>
+        <p:nvPr/>
+      </p:nvGrpSpPr>
+      <p:grpSpPr>
+        <a:xfrm>
+          <a:off x="0" y="0"/>
+          <a:ext cx="0" cy="0"/>
+          <a:chOff x="0" y="0"/>
+          <a:chExt cx="0" cy="0"/>
+        </a:xfrm>
+      </p:grpSpPr>
+      <p:sp>
+        <p:nvSpPr>
+          <p:cNvPr id="2" name="Title 1">
+            <a:extLst>
+              <a:ext uri="{FF2B5EF4-FFF2-40B4-BE49-F238E27FC236}">
+                <a16:creationId xmlns:a16="http://schemas.microsoft.com/office/drawing/2014/main" id="{5DE6F47F-A759-4273-A32F-B275904164C7}"/>
+              </a:ext>
+            </a:extLst>
+          </p:cNvPr>
+          <p:cNvSpPr>
+            <a:spLocks noGrp="1"/>
+          </p:cNvSpPr>
+          <p:nvPr>
+            <p:ph type="title"/>
+          </p:nvPr>
+        </p:nvSpPr>
+        <p:spPr/>
+        <p:txBody>
+          <a:bodyPr/>
+          <a:lstStyle/>
+          <a:p>
+            <a:r>
+              <a:rPr lang="en-US" dirty="0" err="1"/>
+              <a:t>Thống</a:t>
+            </a:r>
+            <a:r>
+              <a:rPr lang="en-US" dirty="0"/>
+              <a:t> </a:t>
+            </a:r>
+            <a:r>
+              <a:rPr lang="en-US" dirty="0" err="1"/>
+              <a:t>kê</a:t>
+            </a:r>
+            <a:endParaRPr lang="vi-VN" dirty="0"/>
+          </a:p>
+        </p:txBody>
+      </p:sp>
+      <p:pic>
+        <p:nvPicPr>
+          <p:cNvPr id="5" name="Content Placeholder 4">
+            <a:extLst>
+              <a:ext uri="{FF2B5EF4-FFF2-40B4-BE49-F238E27FC236}">
+                <a16:creationId xmlns:a16="http://schemas.microsoft.com/office/drawing/2014/main" id="{23DEDF78-B6A0-4D6E-A8F8-A99A004C595D}"/>
+              </a:ext>
+            </a:extLst>
+          </p:cNvPr>
+          <p:cNvPicPr>
+            <a:picLocks noGrp="1" noChangeAspect="1"/>
+          </p:cNvPicPr>
+          <p:nvPr>
+            <p:ph idx="1"/>
+          </p:nvPr>
+        </p:nvPicPr>
+        <p:blipFill>
+          <a:blip r:embed="rId2">
+            <a:extLst>
+              <a:ext uri="{28A0092B-C50C-407E-A947-70E740481C1C}">
+                <a14:useLocalDpi xmlns:a14="http://schemas.microsoft.com/office/drawing/2010/main" val="0"/>
+              </a:ext>
+            </a:extLst>
+          </a:blip>
+          <a:stretch>
+            <a:fillRect/>
+          </a:stretch>
+        </p:blipFill>
+        <p:spPr>
+          <a:xfrm>
+            <a:off x="3002269" y="3562257"/>
+            <a:ext cx="6982799" cy="1333686"/>
+          </a:xfrm>
+        </p:spPr>
+      </p:pic>
+    </p:spTree>
+    <p:extLst>
+      <p:ext uri="{BB962C8B-B14F-4D97-AF65-F5344CB8AC3E}">
+        <p14:creationId xmlns:p14="http://schemas.microsoft.com/office/powerpoint/2010/main" val="2495834561"/>
+      </p:ext>
+    </p:extLst>
+  </p:cSld>
+  <p:clrMapOvr>
+    <a:masterClrMapping/>
+  </p:clrMapOvr>
+</p:sld>
+</file>
+
 <file path=ppt/slides/slide2.xml><?xml version="1.0" encoding="utf-8"?>
 <p:sld xmlns:a="http://schemas.openxmlformats.org/drawingml/2006/main" xmlns:r="http://schemas.openxmlformats.org/officeDocument/2006/relationships" xmlns:p="http://schemas.openxmlformats.org/presentationml/2006/main">
   <p:cSld>
@@ -7750,6 +8645,218 @@
     <p:extLst>
       <p:ext uri="{BB962C8B-B14F-4D97-AF65-F5344CB8AC3E}">
         <p14:creationId xmlns:p14="http://schemas.microsoft.com/office/powerpoint/2010/main" val="347663057"/>
+      </p:ext>
+    </p:extLst>
+  </p:cSld>
+  <p:clrMapOvr>
+    <a:masterClrMapping/>
+  </p:clrMapOvr>
+</p:sld>
+</file>
+
+<file path=ppt/slides/slide8.xml><?xml version="1.0" encoding="utf-8"?>
+<p:sld xmlns:a="http://schemas.openxmlformats.org/drawingml/2006/main" xmlns:r="http://schemas.openxmlformats.org/officeDocument/2006/relationships" xmlns:p="http://schemas.openxmlformats.org/presentationml/2006/main">
+  <p:cSld>
+    <p:spTree>
+      <p:nvGrpSpPr>
+        <p:cNvPr id="1" name=""/>
+        <p:cNvGrpSpPr/>
+        <p:nvPr/>
+      </p:nvGrpSpPr>
+      <p:grpSpPr>
+        <a:xfrm>
+          <a:off x="0" y="0"/>
+          <a:ext cx="0" cy="0"/>
+          <a:chOff x="0" y="0"/>
+          <a:chExt cx="0" cy="0"/>
+        </a:xfrm>
+      </p:grpSpPr>
+      <p:sp>
+        <p:nvSpPr>
+          <p:cNvPr id="2" name="Title 1">
+            <a:extLst>
+              <a:ext uri="{FF2B5EF4-FFF2-40B4-BE49-F238E27FC236}">
+                <a16:creationId xmlns:a16="http://schemas.microsoft.com/office/drawing/2014/main" id="{8663F57C-92DA-419B-9744-A64CAB65133D}"/>
+              </a:ext>
+            </a:extLst>
+          </p:cNvPr>
+          <p:cNvSpPr>
+            <a:spLocks noGrp="1"/>
+          </p:cNvSpPr>
+          <p:nvPr>
+            <p:ph type="title"/>
+          </p:nvPr>
+        </p:nvSpPr>
+        <p:spPr/>
+        <p:txBody>
+          <a:bodyPr/>
+          <a:lstStyle/>
+          <a:p>
+            <a:r>
+              <a:rPr lang="en-US" dirty="0" err="1"/>
+              <a:t>Đăng</a:t>
+            </a:r>
+            <a:r>
+              <a:rPr lang="en-US" dirty="0"/>
+              <a:t> </a:t>
+            </a:r>
+            <a:r>
+              <a:rPr lang="en-US" dirty="0" err="1"/>
+              <a:t>nhập</a:t>
+            </a:r>
+            <a:endParaRPr lang="vi-VN" dirty="0"/>
+          </a:p>
+        </p:txBody>
+      </p:sp>
+      <p:pic>
+        <p:nvPicPr>
+          <p:cNvPr id="5" name="Content Placeholder 4">
+            <a:extLst>
+              <a:ext uri="{FF2B5EF4-FFF2-40B4-BE49-F238E27FC236}">
+                <a16:creationId xmlns:a16="http://schemas.microsoft.com/office/drawing/2014/main" id="{570BD002-4599-4EB9-8871-C3C082973097}"/>
+              </a:ext>
+            </a:extLst>
+          </p:cNvPr>
+          <p:cNvPicPr>
+            <a:picLocks noGrp="1" noChangeAspect="1"/>
+          </p:cNvPicPr>
+          <p:nvPr>
+            <p:ph idx="1"/>
+          </p:nvPr>
+        </p:nvPicPr>
+        <p:blipFill>
+          <a:blip r:embed="rId2">
+            <a:extLst>
+              <a:ext uri="{28A0092B-C50C-407E-A947-70E740481C1C}">
+                <a14:useLocalDpi xmlns:a14="http://schemas.microsoft.com/office/drawing/2010/main" val="0"/>
+              </a:ext>
+            </a:extLst>
+          </a:blip>
+          <a:stretch>
+            <a:fillRect/>
+          </a:stretch>
+        </p:blipFill>
+        <p:spPr>
+          <a:xfrm>
+            <a:off x="2587874" y="3009730"/>
+            <a:ext cx="7811590" cy="2438740"/>
+          </a:xfrm>
+        </p:spPr>
+      </p:pic>
+    </p:spTree>
+    <p:extLst>
+      <p:ext uri="{BB962C8B-B14F-4D97-AF65-F5344CB8AC3E}">
+        <p14:creationId xmlns:p14="http://schemas.microsoft.com/office/powerpoint/2010/main" val="300365771"/>
+      </p:ext>
+    </p:extLst>
+  </p:cSld>
+  <p:clrMapOvr>
+    <a:masterClrMapping/>
+  </p:clrMapOvr>
+</p:sld>
+</file>
+
+<file path=ppt/slides/slide9.xml><?xml version="1.0" encoding="utf-8"?>
+<p:sld xmlns:a="http://schemas.openxmlformats.org/drawingml/2006/main" xmlns:r="http://schemas.openxmlformats.org/officeDocument/2006/relationships" xmlns:p="http://schemas.openxmlformats.org/presentationml/2006/main">
+  <p:cSld>
+    <p:spTree>
+      <p:nvGrpSpPr>
+        <p:cNvPr id="1" name=""/>
+        <p:cNvGrpSpPr/>
+        <p:nvPr/>
+      </p:nvGrpSpPr>
+      <p:grpSpPr>
+        <a:xfrm>
+          <a:off x="0" y="0"/>
+          <a:ext cx="0" cy="0"/>
+          <a:chOff x="0" y="0"/>
+          <a:chExt cx="0" cy="0"/>
+        </a:xfrm>
+      </p:grpSpPr>
+      <p:sp>
+        <p:nvSpPr>
+          <p:cNvPr id="2" name="Title 1">
+            <a:extLst>
+              <a:ext uri="{FF2B5EF4-FFF2-40B4-BE49-F238E27FC236}">
+                <a16:creationId xmlns:a16="http://schemas.microsoft.com/office/drawing/2014/main" id="{54586A9C-F6F0-4F4D-9D97-4A12C56969A7}"/>
+              </a:ext>
+            </a:extLst>
+          </p:cNvPr>
+          <p:cNvSpPr>
+            <a:spLocks noGrp="1"/>
+          </p:cNvSpPr>
+          <p:nvPr>
+            <p:ph type="title"/>
+          </p:nvPr>
+        </p:nvSpPr>
+        <p:spPr/>
+        <p:txBody>
+          <a:bodyPr/>
+          <a:lstStyle/>
+          <a:p>
+            <a:r>
+              <a:rPr lang="en-US" dirty="0" err="1"/>
+              <a:t>Tạo</a:t>
+            </a:r>
+            <a:r>
+              <a:rPr lang="en-US" dirty="0"/>
+              <a:t> </a:t>
+            </a:r>
+            <a:r>
+              <a:rPr lang="en-US" dirty="0" err="1"/>
+              <a:t>tài</a:t>
+            </a:r>
+            <a:r>
+              <a:rPr lang="en-US" dirty="0"/>
+              <a:t> </a:t>
+            </a:r>
+            <a:r>
+              <a:rPr lang="en-US" dirty="0" err="1"/>
+              <a:t>khoản</a:t>
+            </a:r>
+            <a:endParaRPr lang="vi-VN" dirty="0"/>
+          </a:p>
+        </p:txBody>
+      </p:sp>
+      <p:pic>
+        <p:nvPicPr>
+          <p:cNvPr id="5" name="Content Placeholder 4">
+            <a:extLst>
+              <a:ext uri="{FF2B5EF4-FFF2-40B4-BE49-F238E27FC236}">
+                <a16:creationId xmlns:a16="http://schemas.microsoft.com/office/drawing/2014/main" id="{F50BEF95-7AEF-484F-8284-85A36A3207BA}"/>
+              </a:ext>
+            </a:extLst>
+          </p:cNvPr>
+          <p:cNvPicPr>
+            <a:picLocks noGrp="1" noChangeAspect="1"/>
+          </p:cNvPicPr>
+          <p:nvPr>
+            <p:ph idx="1"/>
+          </p:nvPr>
+        </p:nvPicPr>
+        <p:blipFill>
+          <a:blip r:embed="rId2">
+            <a:extLst>
+              <a:ext uri="{28A0092B-C50C-407E-A947-70E740481C1C}">
+                <a14:useLocalDpi xmlns:a14="http://schemas.microsoft.com/office/drawing/2010/main" val="0"/>
+              </a:ext>
+            </a:extLst>
+          </a:blip>
+          <a:stretch>
+            <a:fillRect/>
+          </a:stretch>
+        </p:blipFill>
+        <p:spPr>
+          <a:xfrm>
+            <a:off x="2259215" y="2976387"/>
+            <a:ext cx="8468907" cy="2505425"/>
+          </a:xfrm>
+        </p:spPr>
+      </p:pic>
+    </p:spTree>
+    <p:extLst>
+      <p:ext uri="{BB962C8B-B14F-4D97-AF65-F5344CB8AC3E}">
+        <p14:creationId xmlns:p14="http://schemas.microsoft.com/office/powerpoint/2010/main" val="3152237174"/>
       </p:ext>
     </p:extLst>
   </p:cSld>
